--- a/Introduction JavaScript.pptx
+++ b/Introduction JavaScript.pptx
@@ -11,6 +11,16 @@
     <p:sldId id="259" r:id="rId5"/>
     <p:sldId id="260" r:id="rId6"/>
     <p:sldId id="261" r:id="rId7"/>
+    <p:sldId id="262" r:id="rId8"/>
+    <p:sldId id="263" r:id="rId9"/>
+    <p:sldId id="264" r:id="rId10"/>
+    <p:sldId id="265" r:id="rId11"/>
+    <p:sldId id="266" r:id="rId12"/>
+    <p:sldId id="267" r:id="rId13"/>
+    <p:sldId id="268" r:id="rId14"/>
+    <p:sldId id="269" r:id="rId15"/>
+    <p:sldId id="270" r:id="rId16"/>
+    <p:sldId id="271" r:id="rId17"/>
   </p:sldIdLst>
   <p:sldSz cx="9144000" cy="6858000" type="screen4x3"/>
   <p:notesSz cx="6858000" cy="9144000"/>
@@ -293,7 +303,8 @@
           <a:p>
             <a:fld id="{050067DC-261C-4DE4-A62F-BA062F0F7FBD}" type="datetimeFigureOut">
               <a:rPr lang="en-US" smtClean="0"/>
-              <a:t>4/16/2016</a:t>
+              <a:pPr/>
+              <a:t>4/19/2016</a:t>
             </a:fld>
             <a:endParaRPr lang="en-US"/>
           </a:p>
@@ -335,6 +346,7 @@
           <a:p>
             <a:fld id="{39ECDF30-DF03-4664-9E39-EE5F2630859E}" type="slidenum">
               <a:rPr lang="en-US" smtClean="0"/>
+              <a:pPr/>
               <a:t>‹#›</a:t>
             </a:fld>
             <a:endParaRPr lang="en-US"/>
@@ -458,7 +470,8 @@
           <a:p>
             <a:fld id="{050067DC-261C-4DE4-A62F-BA062F0F7FBD}" type="datetimeFigureOut">
               <a:rPr lang="en-US" smtClean="0"/>
-              <a:t>4/16/2016</a:t>
+              <a:pPr/>
+              <a:t>4/19/2016</a:t>
             </a:fld>
             <a:endParaRPr lang="en-US"/>
           </a:p>
@@ -500,6 +513,7 @@
           <a:p>
             <a:fld id="{39ECDF30-DF03-4664-9E39-EE5F2630859E}" type="slidenum">
               <a:rPr lang="en-US" smtClean="0"/>
+              <a:pPr/>
               <a:t>‹#›</a:t>
             </a:fld>
             <a:endParaRPr lang="en-US"/>
@@ -633,7 +647,8 @@
           <a:p>
             <a:fld id="{050067DC-261C-4DE4-A62F-BA062F0F7FBD}" type="datetimeFigureOut">
               <a:rPr lang="en-US" smtClean="0"/>
-              <a:t>4/16/2016</a:t>
+              <a:pPr/>
+              <a:t>4/19/2016</a:t>
             </a:fld>
             <a:endParaRPr lang="en-US"/>
           </a:p>
@@ -675,6 +690,7 @@
           <a:p>
             <a:fld id="{39ECDF30-DF03-4664-9E39-EE5F2630859E}" type="slidenum">
               <a:rPr lang="en-US" smtClean="0"/>
+              <a:pPr/>
               <a:t>‹#›</a:t>
             </a:fld>
             <a:endParaRPr lang="en-US"/>
@@ -798,7 +814,8 @@
           <a:p>
             <a:fld id="{050067DC-261C-4DE4-A62F-BA062F0F7FBD}" type="datetimeFigureOut">
               <a:rPr lang="en-US" smtClean="0"/>
-              <a:t>4/16/2016</a:t>
+              <a:pPr/>
+              <a:t>4/19/2016</a:t>
             </a:fld>
             <a:endParaRPr lang="en-US"/>
           </a:p>
@@ -840,6 +857,7 @@
           <a:p>
             <a:fld id="{39ECDF30-DF03-4664-9E39-EE5F2630859E}" type="slidenum">
               <a:rPr lang="en-US" smtClean="0"/>
+              <a:pPr/>
               <a:t>‹#›</a:t>
             </a:fld>
             <a:endParaRPr lang="en-US"/>
@@ -1039,7 +1057,8 @@
           <a:p>
             <a:fld id="{050067DC-261C-4DE4-A62F-BA062F0F7FBD}" type="datetimeFigureOut">
               <a:rPr lang="en-US" smtClean="0"/>
-              <a:t>4/16/2016</a:t>
+              <a:pPr/>
+              <a:t>4/19/2016</a:t>
             </a:fld>
             <a:endParaRPr lang="en-US"/>
           </a:p>
@@ -1081,6 +1100,7 @@
           <a:p>
             <a:fld id="{39ECDF30-DF03-4664-9E39-EE5F2630859E}" type="slidenum">
               <a:rPr lang="en-US" smtClean="0"/>
+              <a:pPr/>
               <a:t>‹#›</a:t>
             </a:fld>
             <a:endParaRPr lang="en-US"/>
@@ -1322,7 +1342,8 @@
           <a:p>
             <a:fld id="{050067DC-261C-4DE4-A62F-BA062F0F7FBD}" type="datetimeFigureOut">
               <a:rPr lang="en-US" smtClean="0"/>
-              <a:t>4/16/2016</a:t>
+              <a:pPr/>
+              <a:t>4/19/2016</a:t>
             </a:fld>
             <a:endParaRPr lang="en-US"/>
           </a:p>
@@ -1364,6 +1385,7 @@
           <a:p>
             <a:fld id="{39ECDF30-DF03-4664-9E39-EE5F2630859E}" type="slidenum">
               <a:rPr lang="en-US" smtClean="0"/>
+              <a:pPr/>
               <a:t>‹#›</a:t>
             </a:fld>
             <a:endParaRPr lang="en-US"/>
@@ -1739,7 +1761,8 @@
           <a:p>
             <a:fld id="{050067DC-261C-4DE4-A62F-BA062F0F7FBD}" type="datetimeFigureOut">
               <a:rPr lang="en-US" smtClean="0"/>
-              <a:t>4/16/2016</a:t>
+              <a:pPr/>
+              <a:t>4/19/2016</a:t>
             </a:fld>
             <a:endParaRPr lang="en-US"/>
           </a:p>
@@ -1781,6 +1804,7 @@
           <a:p>
             <a:fld id="{39ECDF30-DF03-4664-9E39-EE5F2630859E}" type="slidenum">
               <a:rPr lang="en-US" smtClean="0"/>
+              <a:pPr/>
               <a:t>‹#›</a:t>
             </a:fld>
             <a:endParaRPr lang="en-US"/>
@@ -1852,7 +1876,8 @@
           <a:p>
             <a:fld id="{050067DC-261C-4DE4-A62F-BA062F0F7FBD}" type="datetimeFigureOut">
               <a:rPr lang="en-US" smtClean="0"/>
-              <a:t>4/16/2016</a:t>
+              <a:pPr/>
+              <a:t>4/19/2016</a:t>
             </a:fld>
             <a:endParaRPr lang="en-US"/>
           </a:p>
@@ -1894,6 +1919,7 @@
           <a:p>
             <a:fld id="{39ECDF30-DF03-4664-9E39-EE5F2630859E}" type="slidenum">
               <a:rPr lang="en-US" smtClean="0"/>
+              <a:pPr/>
               <a:t>‹#›</a:t>
             </a:fld>
             <a:endParaRPr lang="en-US"/>
@@ -1942,7 +1968,8 @@
           <a:p>
             <a:fld id="{050067DC-261C-4DE4-A62F-BA062F0F7FBD}" type="datetimeFigureOut">
               <a:rPr lang="en-US" smtClean="0"/>
-              <a:t>4/16/2016</a:t>
+              <a:pPr/>
+              <a:t>4/19/2016</a:t>
             </a:fld>
             <a:endParaRPr lang="en-US"/>
           </a:p>
@@ -1984,6 +2011,7 @@
           <a:p>
             <a:fld id="{39ECDF30-DF03-4664-9E39-EE5F2630859E}" type="slidenum">
               <a:rPr lang="en-US" smtClean="0"/>
+              <a:pPr/>
               <a:t>‹#›</a:t>
             </a:fld>
             <a:endParaRPr lang="en-US"/>
@@ -2214,7 +2242,8 @@
           <a:p>
             <a:fld id="{050067DC-261C-4DE4-A62F-BA062F0F7FBD}" type="datetimeFigureOut">
               <a:rPr lang="en-US" smtClean="0"/>
-              <a:t>4/16/2016</a:t>
+              <a:pPr/>
+              <a:t>4/19/2016</a:t>
             </a:fld>
             <a:endParaRPr lang="en-US"/>
           </a:p>
@@ -2256,6 +2285,7 @@
           <a:p>
             <a:fld id="{39ECDF30-DF03-4664-9E39-EE5F2630859E}" type="slidenum">
               <a:rPr lang="en-US" smtClean="0"/>
+              <a:pPr/>
               <a:t>‹#›</a:t>
             </a:fld>
             <a:endParaRPr lang="en-US"/>
@@ -2462,7 +2492,8 @@
           <a:p>
             <a:fld id="{050067DC-261C-4DE4-A62F-BA062F0F7FBD}" type="datetimeFigureOut">
               <a:rPr lang="en-US" smtClean="0"/>
-              <a:t>4/16/2016</a:t>
+              <a:pPr/>
+              <a:t>4/19/2016</a:t>
             </a:fld>
             <a:endParaRPr lang="en-US"/>
           </a:p>
@@ -2504,6 +2535,7 @@
           <a:p>
             <a:fld id="{39ECDF30-DF03-4664-9E39-EE5F2630859E}" type="slidenum">
               <a:rPr lang="en-US" smtClean="0"/>
+              <a:pPr/>
               <a:t>‹#›</a:t>
             </a:fld>
             <a:endParaRPr lang="en-US"/>
@@ -2670,7 +2702,8 @@
           <a:p>
             <a:fld id="{050067DC-261C-4DE4-A62F-BA062F0F7FBD}" type="datetimeFigureOut">
               <a:rPr lang="en-US" smtClean="0"/>
-              <a:t>4/16/2016</a:t>
+              <a:pPr/>
+              <a:t>4/19/2016</a:t>
             </a:fld>
             <a:endParaRPr lang="en-US"/>
           </a:p>
@@ -2748,6 +2781,7 @@
           <a:p>
             <a:fld id="{39ECDF30-DF03-4664-9E39-EE5F2630859E}" type="slidenum">
               <a:rPr lang="en-US" smtClean="0"/>
+              <a:pPr/>
               <a:t>‹#›</a:t>
             </a:fld>
             <a:endParaRPr lang="en-US"/>
@@ -3102,6 +3136,1294 @@
 </p:sld>
 </file>
 
+<file path=ppt/slides/slide10.xml><?xml version="1.0" encoding="utf-8"?>
+<p:sld xmlns:a="http://schemas.openxmlformats.org/drawingml/2006/main" xmlns:r="http://schemas.openxmlformats.org/officeDocument/2006/relationships" xmlns:p="http://schemas.openxmlformats.org/presentationml/2006/main">
+  <p:cSld>
+    <p:spTree>
+      <p:nvGrpSpPr>
+        <p:cNvPr id="1" name=""/>
+        <p:cNvGrpSpPr/>
+        <p:nvPr/>
+      </p:nvGrpSpPr>
+      <p:grpSpPr>
+        <a:xfrm>
+          <a:off x="0" y="0"/>
+          <a:ext cx="0" cy="0"/>
+          <a:chOff x="0" y="0"/>
+          <a:chExt cx="0" cy="0"/>
+        </a:xfrm>
+      </p:grpSpPr>
+      <p:sp>
+        <p:nvSpPr>
+          <p:cNvPr id="2" name="Title 1"/>
+          <p:cNvSpPr>
+            <a:spLocks noGrp="1"/>
+          </p:cNvSpPr>
+          <p:nvPr>
+            <p:ph type="title"/>
+          </p:nvPr>
+        </p:nvSpPr>
+        <p:spPr/>
+        <p:txBody>
+          <a:bodyPr>
+            <a:normAutofit fontScale="90000"/>
+          </a:bodyPr>
+          <a:lstStyle/>
+          <a:p>
+            <a:r>
+              <a:rPr lang="en-US" dirty="0" smtClean="0"/>
+              <a:t>Ex : just type and run , you can see the </a:t>
+            </a:r>
+            <a:r>
+              <a:rPr lang="en-US" dirty="0" err="1" smtClean="0"/>
+              <a:t>diffrent</a:t>
+            </a:r>
+            <a:endParaRPr lang="en-US" dirty="0"/>
+          </a:p>
+        </p:txBody>
+      </p:sp>
+      <p:sp>
+        <p:nvSpPr>
+          <p:cNvPr id="3" name="Content Placeholder 2"/>
+          <p:cNvSpPr>
+            <a:spLocks noGrp="1"/>
+          </p:cNvSpPr>
+          <p:nvPr>
+            <p:ph idx="1"/>
+          </p:nvPr>
+        </p:nvSpPr>
+        <p:spPr/>
+        <p:txBody>
+          <a:bodyPr>
+            <a:normAutofit fontScale="55000" lnSpcReduction="20000"/>
+          </a:bodyPr>
+          <a:lstStyle/>
+          <a:p>
+            <a:pPr lvl="1">
+              <a:buNone/>
+            </a:pPr>
+            <a:r>
+              <a:rPr lang="en-US" dirty="0" err="1" smtClean="0">
+                <a:solidFill>
+                  <a:srgbClr val="FF0000"/>
+                </a:solidFill>
+              </a:rPr>
+              <a:t>var</a:t>
+            </a:r>
+            <a:r>
+              <a:rPr lang="en-US" dirty="0" smtClean="0">
+                <a:solidFill>
+                  <a:srgbClr val="FF0000"/>
+                </a:solidFill>
+              </a:rPr>
+              <a:t> flight = {</a:t>
+            </a:r>
+          </a:p>
+          <a:p>
+            <a:pPr lvl="1">
+              <a:buNone/>
+            </a:pPr>
+            <a:r>
+              <a:rPr lang="en-US" dirty="0" smtClean="0">
+                <a:solidFill>
+                  <a:srgbClr val="FF0000"/>
+                </a:solidFill>
+              </a:rPr>
+              <a:t>airline: "Oceanic",</a:t>
+            </a:r>
+          </a:p>
+          <a:p>
+            <a:pPr lvl="1">
+              <a:buNone/>
+            </a:pPr>
+            <a:r>
+              <a:rPr lang="en-US" dirty="0" smtClean="0">
+                <a:solidFill>
+                  <a:srgbClr val="FF0000"/>
+                </a:solidFill>
+              </a:rPr>
+              <a:t>number: 815,</a:t>
+            </a:r>
+          </a:p>
+          <a:p>
+            <a:pPr lvl="1">
+              <a:buNone/>
+            </a:pPr>
+            <a:r>
+              <a:rPr lang="en-US" dirty="0" smtClean="0">
+                <a:solidFill>
+                  <a:srgbClr val="FF0000"/>
+                </a:solidFill>
+              </a:rPr>
+              <a:t>departure: {</a:t>
+            </a:r>
+          </a:p>
+          <a:p>
+            <a:pPr lvl="1">
+              <a:buNone/>
+            </a:pPr>
+            <a:r>
+              <a:rPr lang="en-US" dirty="0" smtClean="0">
+                <a:solidFill>
+                  <a:srgbClr val="FF0000"/>
+                </a:solidFill>
+              </a:rPr>
+              <a:t>IATA: "SYD",</a:t>
+            </a:r>
+          </a:p>
+          <a:p>
+            <a:pPr lvl="1">
+              <a:buNone/>
+            </a:pPr>
+            <a:r>
+              <a:rPr lang="en-US" dirty="0" smtClean="0">
+                <a:solidFill>
+                  <a:srgbClr val="FF0000"/>
+                </a:solidFill>
+              </a:rPr>
+              <a:t>time: "2004-09-22 14:55",</a:t>
+            </a:r>
+          </a:p>
+          <a:p>
+            <a:pPr lvl="1">
+              <a:buNone/>
+            </a:pPr>
+            <a:r>
+              <a:rPr lang="en-US" dirty="0" smtClean="0">
+                <a:solidFill>
+                  <a:srgbClr val="FF0000"/>
+                </a:solidFill>
+              </a:rPr>
+              <a:t>city: "Sydney"</a:t>
+            </a:r>
+          </a:p>
+          <a:p>
+            <a:pPr lvl="1">
+              <a:buNone/>
+            </a:pPr>
+            <a:r>
+              <a:rPr lang="en-US" dirty="0" smtClean="0">
+                <a:solidFill>
+                  <a:srgbClr val="FF0000"/>
+                </a:solidFill>
+              </a:rPr>
+              <a:t>},</a:t>
+            </a:r>
+          </a:p>
+          <a:p>
+            <a:pPr lvl="1">
+              <a:buNone/>
+            </a:pPr>
+            <a:r>
+              <a:rPr lang="en-US" dirty="0" smtClean="0">
+                <a:solidFill>
+                  <a:srgbClr val="FF0000"/>
+                </a:solidFill>
+              </a:rPr>
+              <a:t>arrival: {</a:t>
+            </a:r>
+          </a:p>
+          <a:p>
+            <a:pPr lvl="1">
+              <a:buNone/>
+            </a:pPr>
+            <a:r>
+              <a:rPr lang="en-US" dirty="0" smtClean="0">
+                <a:solidFill>
+                  <a:srgbClr val="FF0000"/>
+                </a:solidFill>
+              </a:rPr>
+              <a:t>IATA: "LAX",</a:t>
+            </a:r>
+          </a:p>
+          <a:p>
+            <a:pPr lvl="1">
+              <a:buNone/>
+            </a:pPr>
+            <a:r>
+              <a:rPr lang="en-US" dirty="0" smtClean="0">
+                <a:solidFill>
+                  <a:srgbClr val="FF0000"/>
+                </a:solidFill>
+              </a:rPr>
+              <a:t>time: "2004-09-23 10:42",</a:t>
+            </a:r>
+          </a:p>
+          <a:p>
+            <a:pPr lvl="1">
+              <a:buNone/>
+            </a:pPr>
+            <a:r>
+              <a:rPr lang="en-US" dirty="0" smtClean="0">
+                <a:solidFill>
+                  <a:srgbClr val="FF0000"/>
+                </a:solidFill>
+              </a:rPr>
+              <a:t>city: "Los Angeles"</a:t>
+            </a:r>
+          </a:p>
+          <a:p>
+            <a:pPr lvl="1">
+              <a:buNone/>
+            </a:pPr>
+            <a:r>
+              <a:rPr lang="en-US" dirty="0" smtClean="0">
+                <a:solidFill>
+                  <a:srgbClr val="FF0000"/>
+                </a:solidFill>
+              </a:rPr>
+              <a:t>}</a:t>
+            </a:r>
+          </a:p>
+          <a:p>
+            <a:pPr lvl="1">
+              <a:buNone/>
+            </a:pPr>
+            <a:r>
+              <a:rPr lang="en-US" dirty="0" smtClean="0">
+                <a:solidFill>
+                  <a:srgbClr val="FF0000"/>
+                </a:solidFill>
+              </a:rPr>
+              <a:t>};</a:t>
+            </a:r>
+          </a:p>
+          <a:p>
+            <a:pPr lvl="1">
+              <a:buNone/>
+            </a:pPr>
+            <a:r>
+              <a:rPr lang="en-US" dirty="0" smtClean="0">
+                <a:solidFill>
+                  <a:srgbClr val="FF0000"/>
+                </a:solidFill>
+              </a:rPr>
+              <a:t>-----------------------------------------------------------------</a:t>
+            </a:r>
+            <a:endParaRPr lang="en-US" dirty="0" smtClean="0">
+              <a:solidFill>
+                <a:srgbClr val="FF0000"/>
+              </a:solidFill>
+            </a:endParaRPr>
+          </a:p>
+          <a:p>
+            <a:pPr lvl="1">
+              <a:buNone/>
+            </a:pPr>
+            <a:r>
+              <a:rPr lang="en-US" dirty="0" err="1" smtClean="0">
+                <a:solidFill>
+                  <a:srgbClr val="FF0000"/>
+                </a:solidFill>
+              </a:rPr>
+              <a:t>var</a:t>
+            </a:r>
+            <a:r>
+              <a:rPr lang="en-US" dirty="0" smtClean="0">
+                <a:solidFill>
+                  <a:srgbClr val="FF0000"/>
+                </a:solidFill>
+              </a:rPr>
+              <a:t> stooge = {</a:t>
+            </a:r>
+          </a:p>
+          <a:p>
+            <a:pPr lvl="1">
+              <a:buNone/>
+            </a:pPr>
+            <a:r>
+              <a:rPr lang="en-US" dirty="0" smtClean="0">
+                <a:solidFill>
+                  <a:srgbClr val="FF0000"/>
+                </a:solidFill>
+              </a:rPr>
+              <a:t>"first-name": "Jerome",</a:t>
+            </a:r>
+          </a:p>
+          <a:p>
+            <a:pPr lvl="1">
+              <a:buNone/>
+            </a:pPr>
+            <a:r>
+              <a:rPr lang="en-US" dirty="0" smtClean="0">
+                <a:solidFill>
+                  <a:srgbClr val="FF0000"/>
+                </a:solidFill>
+              </a:rPr>
+              <a:t>"last-name": "Howard"</a:t>
+            </a:r>
+          </a:p>
+          <a:p>
+            <a:pPr lvl="1">
+              <a:buNone/>
+            </a:pPr>
+            <a:r>
+              <a:rPr lang="en-US" dirty="0" smtClean="0">
+                <a:solidFill>
+                  <a:srgbClr val="FF0000"/>
+                </a:solidFill>
+              </a:rPr>
+              <a:t>};</a:t>
+            </a:r>
+            <a:endParaRPr lang="en-US" dirty="0">
+              <a:solidFill>
+                <a:srgbClr val="FF0000"/>
+              </a:solidFill>
+            </a:endParaRPr>
+          </a:p>
+        </p:txBody>
+      </p:sp>
+    </p:spTree>
+  </p:cSld>
+  <p:clrMapOvr>
+    <a:masterClrMapping/>
+  </p:clrMapOvr>
+</p:sld>
+</file>
+
+<file path=ppt/slides/slide11.xml><?xml version="1.0" encoding="utf-8"?>
+<p:sld xmlns:a="http://schemas.openxmlformats.org/drawingml/2006/main" xmlns:r="http://schemas.openxmlformats.org/officeDocument/2006/relationships" xmlns:p="http://schemas.openxmlformats.org/presentationml/2006/main">
+  <p:cSld>
+    <p:spTree>
+      <p:nvGrpSpPr>
+        <p:cNvPr id="1" name=""/>
+        <p:cNvGrpSpPr/>
+        <p:nvPr/>
+      </p:nvGrpSpPr>
+      <p:grpSpPr>
+        <a:xfrm>
+          <a:off x="0" y="0"/>
+          <a:ext cx="0" cy="0"/>
+          <a:chOff x="0" y="0"/>
+          <a:chExt cx="0" cy="0"/>
+        </a:xfrm>
+      </p:grpSpPr>
+      <p:sp>
+        <p:nvSpPr>
+          <p:cNvPr id="2" name="Title 1"/>
+          <p:cNvSpPr>
+            <a:spLocks noGrp="1"/>
+          </p:cNvSpPr>
+          <p:nvPr>
+            <p:ph type="title"/>
+          </p:nvPr>
+        </p:nvSpPr>
+        <p:spPr/>
+        <p:txBody>
+          <a:bodyPr/>
+          <a:lstStyle/>
+          <a:p>
+            <a:r>
+              <a:rPr lang="en-US" dirty="0" smtClean="0"/>
+              <a:t>Can Be Show</a:t>
+            </a:r>
+            <a:endParaRPr lang="en-US" dirty="0"/>
+          </a:p>
+        </p:txBody>
+      </p:sp>
+      <p:sp>
+        <p:nvSpPr>
+          <p:cNvPr id="3" name="Content Placeholder 2"/>
+          <p:cNvSpPr>
+            <a:spLocks noGrp="1"/>
+          </p:cNvSpPr>
+          <p:nvPr>
+            <p:ph idx="1"/>
+          </p:nvPr>
+        </p:nvSpPr>
+        <p:spPr/>
+        <p:txBody>
+          <a:bodyPr/>
+          <a:lstStyle/>
+          <a:p>
+            <a:r>
+              <a:rPr lang="en-US" dirty="0" smtClean="0">
+                <a:solidFill>
+                  <a:srgbClr val="FF0000"/>
+                </a:solidFill>
+              </a:rPr>
+              <a:t>stooge["first-name"] // "Joe"</a:t>
+            </a:r>
+          </a:p>
+          <a:p>
+            <a:r>
+              <a:rPr lang="en-US" dirty="0" err="1" smtClean="0">
+                <a:solidFill>
+                  <a:srgbClr val="FF0000"/>
+                </a:solidFill>
+              </a:rPr>
+              <a:t>flight.departure.IATA</a:t>
+            </a:r>
+            <a:r>
+              <a:rPr lang="en-US" dirty="0" smtClean="0">
+                <a:solidFill>
+                  <a:srgbClr val="FF0000"/>
+                </a:solidFill>
+              </a:rPr>
+              <a:t> // "SYD"</a:t>
+            </a:r>
+            <a:endParaRPr lang="en-US" dirty="0">
+              <a:solidFill>
+                <a:srgbClr val="FF0000"/>
+              </a:solidFill>
+            </a:endParaRPr>
+          </a:p>
+        </p:txBody>
+      </p:sp>
+    </p:spTree>
+  </p:cSld>
+  <p:clrMapOvr>
+    <a:masterClrMapping/>
+  </p:clrMapOvr>
+</p:sld>
+</file>
+
+<file path=ppt/slides/slide12.xml><?xml version="1.0" encoding="utf-8"?>
+<p:sld xmlns:a="http://schemas.openxmlformats.org/drawingml/2006/main" xmlns:r="http://schemas.openxmlformats.org/officeDocument/2006/relationships" xmlns:p="http://schemas.openxmlformats.org/presentationml/2006/main">
+  <p:cSld>
+    <p:spTree>
+      <p:nvGrpSpPr>
+        <p:cNvPr id="1" name=""/>
+        <p:cNvGrpSpPr/>
+        <p:nvPr/>
+      </p:nvGrpSpPr>
+      <p:grpSpPr>
+        <a:xfrm>
+          <a:off x="0" y="0"/>
+          <a:ext cx="0" cy="0"/>
+          <a:chOff x="0" y="0"/>
+          <a:chExt cx="0" cy="0"/>
+        </a:xfrm>
+      </p:grpSpPr>
+      <p:sp>
+        <p:nvSpPr>
+          <p:cNvPr id="2" name="Title 1"/>
+          <p:cNvSpPr>
+            <a:spLocks noGrp="1"/>
+          </p:cNvSpPr>
+          <p:nvPr>
+            <p:ph type="title"/>
+          </p:nvPr>
+        </p:nvSpPr>
+        <p:spPr/>
+        <p:txBody>
+          <a:bodyPr/>
+          <a:lstStyle/>
+          <a:p>
+            <a:r>
+              <a:rPr lang="en-US" dirty="0" smtClean="0"/>
+              <a:t>Can Be Update</a:t>
+            </a:r>
+            <a:endParaRPr lang="en-US" dirty="0"/>
+          </a:p>
+        </p:txBody>
+      </p:sp>
+      <p:sp>
+        <p:nvSpPr>
+          <p:cNvPr id="3" name="Content Placeholder 2"/>
+          <p:cNvSpPr>
+            <a:spLocks noGrp="1"/>
+          </p:cNvSpPr>
+          <p:nvPr>
+            <p:ph idx="1"/>
+          </p:nvPr>
+        </p:nvSpPr>
+        <p:spPr/>
+        <p:txBody>
+          <a:bodyPr/>
+          <a:lstStyle/>
+          <a:p>
+            <a:r>
+              <a:rPr lang="en-US" dirty="0" smtClean="0">
+                <a:solidFill>
+                  <a:srgbClr val="FF0000"/>
+                </a:solidFill>
+              </a:rPr>
+              <a:t>stooge['first-name'] = 'Jerome</a:t>
+            </a:r>
+            <a:r>
+              <a:rPr lang="en-US" dirty="0" smtClean="0">
+                <a:solidFill>
+                  <a:srgbClr val="FF0000"/>
+                </a:solidFill>
+              </a:rPr>
+              <a:t>';</a:t>
+            </a:r>
+          </a:p>
+          <a:p>
+            <a:r>
+              <a:rPr lang="en-US" dirty="0" err="1" smtClean="0">
+                <a:solidFill>
+                  <a:srgbClr val="FF0000"/>
+                </a:solidFill>
+              </a:rPr>
+              <a:t>stooge.nickname</a:t>
+            </a:r>
+            <a:r>
+              <a:rPr lang="en-US" dirty="0" smtClean="0">
+                <a:solidFill>
+                  <a:srgbClr val="FF0000"/>
+                </a:solidFill>
+              </a:rPr>
+              <a:t> = 'Curly';</a:t>
+            </a:r>
+          </a:p>
+          <a:p>
+            <a:r>
+              <a:rPr lang="en-US" dirty="0" err="1" smtClean="0">
+                <a:solidFill>
+                  <a:srgbClr val="FF0000"/>
+                </a:solidFill>
+              </a:rPr>
+              <a:t>flight.equipment</a:t>
+            </a:r>
+            <a:r>
+              <a:rPr lang="en-US" dirty="0" smtClean="0">
+                <a:solidFill>
+                  <a:srgbClr val="FF0000"/>
+                </a:solidFill>
+              </a:rPr>
+              <a:t> = </a:t>
+            </a:r>
+            <a:r>
+              <a:rPr lang="en-US" dirty="0" smtClean="0">
+                <a:solidFill>
+                  <a:srgbClr val="FF0000"/>
+                </a:solidFill>
+              </a:rPr>
+              <a:t>{ model</a:t>
+            </a:r>
+            <a:r>
+              <a:rPr lang="en-US" dirty="0" smtClean="0">
+                <a:solidFill>
+                  <a:srgbClr val="FF0000"/>
+                </a:solidFill>
+              </a:rPr>
+              <a:t>: 'Boeing </a:t>
+            </a:r>
+            <a:r>
+              <a:rPr lang="en-US" dirty="0" smtClean="0">
+                <a:solidFill>
+                  <a:srgbClr val="FF0000"/>
+                </a:solidFill>
+              </a:rPr>
+              <a:t>777‘ };</a:t>
+            </a:r>
+            <a:endParaRPr lang="en-US" dirty="0" smtClean="0">
+              <a:solidFill>
+                <a:srgbClr val="FF0000"/>
+              </a:solidFill>
+            </a:endParaRPr>
+          </a:p>
+          <a:p>
+            <a:r>
+              <a:rPr lang="en-US" dirty="0" err="1" smtClean="0">
+                <a:solidFill>
+                  <a:srgbClr val="FF0000"/>
+                </a:solidFill>
+              </a:rPr>
+              <a:t>flight.status</a:t>
+            </a:r>
+            <a:r>
+              <a:rPr lang="en-US" dirty="0" smtClean="0">
+                <a:solidFill>
+                  <a:srgbClr val="FF0000"/>
+                </a:solidFill>
+              </a:rPr>
+              <a:t> = 'overdue';</a:t>
+            </a:r>
+            <a:endParaRPr lang="en-US" dirty="0" smtClean="0">
+              <a:solidFill>
+                <a:srgbClr val="FF0000"/>
+              </a:solidFill>
+            </a:endParaRPr>
+          </a:p>
+          <a:p>
+            <a:endParaRPr lang="en-US" dirty="0"/>
+          </a:p>
+        </p:txBody>
+      </p:sp>
+    </p:spTree>
+  </p:cSld>
+  <p:clrMapOvr>
+    <a:masterClrMapping/>
+  </p:clrMapOvr>
+</p:sld>
+</file>
+
+<file path=ppt/slides/slide13.xml><?xml version="1.0" encoding="utf-8"?>
+<p:sld xmlns:a="http://schemas.openxmlformats.org/drawingml/2006/main" xmlns:r="http://schemas.openxmlformats.org/officeDocument/2006/relationships" xmlns:p="http://schemas.openxmlformats.org/presentationml/2006/main">
+  <p:cSld>
+    <p:spTree>
+      <p:nvGrpSpPr>
+        <p:cNvPr id="1" name=""/>
+        <p:cNvGrpSpPr/>
+        <p:nvPr/>
+      </p:nvGrpSpPr>
+      <p:grpSpPr>
+        <a:xfrm>
+          <a:off x="0" y="0"/>
+          <a:ext cx="0" cy="0"/>
+          <a:chOff x="0" y="0"/>
+          <a:chExt cx="0" cy="0"/>
+        </a:xfrm>
+      </p:grpSpPr>
+      <p:sp>
+        <p:nvSpPr>
+          <p:cNvPr id="2" name="Title 1"/>
+          <p:cNvSpPr>
+            <a:spLocks noGrp="1"/>
+          </p:cNvSpPr>
+          <p:nvPr>
+            <p:ph type="title"/>
+          </p:nvPr>
+        </p:nvSpPr>
+        <p:spPr/>
+        <p:txBody>
+          <a:bodyPr/>
+          <a:lstStyle/>
+          <a:p>
+            <a:r>
+              <a:rPr lang="en-US" dirty="0" smtClean="0"/>
+              <a:t>Can Be Copied Object</a:t>
+            </a:r>
+            <a:endParaRPr lang="en-US" dirty="0"/>
+          </a:p>
+        </p:txBody>
+      </p:sp>
+      <p:sp>
+        <p:nvSpPr>
+          <p:cNvPr id="3" name="Content Placeholder 2"/>
+          <p:cNvSpPr>
+            <a:spLocks noGrp="1"/>
+          </p:cNvSpPr>
+          <p:nvPr>
+            <p:ph idx="1"/>
+          </p:nvPr>
+        </p:nvSpPr>
+        <p:spPr/>
+        <p:txBody>
+          <a:bodyPr/>
+          <a:lstStyle/>
+          <a:p>
+            <a:pPr>
+              <a:buNone/>
+            </a:pPr>
+            <a:r>
+              <a:rPr lang="en-US" dirty="0" err="1" smtClean="0">
+                <a:solidFill>
+                  <a:srgbClr val="FF0000"/>
+                </a:solidFill>
+              </a:rPr>
+              <a:t>var</a:t>
+            </a:r>
+            <a:r>
+              <a:rPr lang="en-US" dirty="0" smtClean="0">
+                <a:solidFill>
+                  <a:srgbClr val="FF0000"/>
+                </a:solidFill>
+              </a:rPr>
+              <a:t> x = </a:t>
+            </a:r>
+            <a:r>
+              <a:rPr lang="en-US" dirty="0" smtClean="0">
+                <a:solidFill>
+                  <a:srgbClr val="FF0000"/>
+                </a:solidFill>
+              </a:rPr>
+              <a:t>stooge; </a:t>
+            </a:r>
+          </a:p>
+          <a:p>
+            <a:pPr>
+              <a:buNone/>
+            </a:pPr>
+            <a:r>
+              <a:rPr lang="en-US" dirty="0" err="1" smtClean="0">
+                <a:solidFill>
+                  <a:srgbClr val="FF0000"/>
+                </a:solidFill>
+              </a:rPr>
+              <a:t>x.nickname</a:t>
+            </a:r>
+            <a:r>
+              <a:rPr lang="en-US" dirty="0" smtClean="0">
+                <a:solidFill>
+                  <a:srgbClr val="FF0000"/>
+                </a:solidFill>
+              </a:rPr>
+              <a:t> </a:t>
+            </a:r>
+            <a:r>
+              <a:rPr lang="en-US" dirty="0" smtClean="0">
+                <a:solidFill>
+                  <a:srgbClr val="FF0000"/>
+                </a:solidFill>
+              </a:rPr>
+              <a:t>= 'Curly';</a:t>
+            </a:r>
+          </a:p>
+          <a:p>
+            <a:pPr>
+              <a:buNone/>
+            </a:pPr>
+            <a:r>
+              <a:rPr lang="en-US" dirty="0" err="1" smtClean="0">
+                <a:solidFill>
+                  <a:srgbClr val="FF0000"/>
+                </a:solidFill>
+              </a:rPr>
+              <a:t>var</a:t>
+            </a:r>
+            <a:r>
+              <a:rPr lang="en-US" dirty="0" smtClean="0">
+                <a:solidFill>
+                  <a:srgbClr val="FF0000"/>
+                </a:solidFill>
+              </a:rPr>
+              <a:t> nick = </a:t>
+            </a:r>
+            <a:r>
+              <a:rPr lang="en-US" dirty="0" err="1" smtClean="0">
+                <a:solidFill>
+                  <a:srgbClr val="FF0000"/>
+                </a:solidFill>
+              </a:rPr>
+              <a:t>stooge.nickname</a:t>
+            </a:r>
+            <a:r>
+              <a:rPr lang="en-US" dirty="0" smtClean="0">
+                <a:solidFill>
+                  <a:srgbClr val="FF0000"/>
+                </a:solidFill>
+              </a:rPr>
+              <a:t>;</a:t>
+            </a:r>
+          </a:p>
+          <a:p>
+            <a:pPr>
+              <a:buNone/>
+            </a:pPr>
+            <a:r>
+              <a:rPr lang="en-US" dirty="0" smtClean="0"/>
+              <a:t>// nick is 'Curly' because x and stooge</a:t>
+            </a:r>
+          </a:p>
+          <a:p>
+            <a:pPr>
+              <a:buNone/>
+            </a:pPr>
+            <a:r>
+              <a:rPr lang="en-US" dirty="0" smtClean="0"/>
+              <a:t>// are references to the same </a:t>
+            </a:r>
+            <a:r>
+              <a:rPr lang="en-US" dirty="0" err="1" smtClean="0"/>
+              <a:t>obje</a:t>
+            </a:r>
+            <a:endParaRPr lang="en-US" dirty="0"/>
+          </a:p>
+        </p:txBody>
+      </p:sp>
+    </p:spTree>
+  </p:cSld>
+  <p:clrMapOvr>
+    <a:masterClrMapping/>
+  </p:clrMapOvr>
+</p:sld>
+</file>
+
+<file path=ppt/slides/slide14.xml><?xml version="1.0" encoding="utf-8"?>
+<p:sld xmlns:a="http://schemas.openxmlformats.org/drawingml/2006/main" xmlns:r="http://schemas.openxmlformats.org/officeDocument/2006/relationships" xmlns:p="http://schemas.openxmlformats.org/presentationml/2006/main">
+  <p:cSld>
+    <p:spTree>
+      <p:nvGrpSpPr>
+        <p:cNvPr id="1" name=""/>
+        <p:cNvGrpSpPr/>
+        <p:nvPr/>
+      </p:nvGrpSpPr>
+      <p:grpSpPr>
+        <a:xfrm>
+          <a:off x="0" y="0"/>
+          <a:ext cx="0" cy="0"/>
+          <a:chOff x="0" y="0"/>
+          <a:chExt cx="0" cy="0"/>
+        </a:xfrm>
+      </p:grpSpPr>
+      <p:sp>
+        <p:nvSpPr>
+          <p:cNvPr id="2" name="Title 1"/>
+          <p:cNvSpPr>
+            <a:spLocks noGrp="1"/>
+          </p:cNvSpPr>
+          <p:nvPr>
+            <p:ph type="title"/>
+          </p:nvPr>
+        </p:nvSpPr>
+        <p:spPr/>
+        <p:txBody>
+          <a:bodyPr/>
+          <a:lstStyle/>
+          <a:p>
+            <a:r>
+              <a:rPr lang="en-US" dirty="0" smtClean="0"/>
+              <a:t>Reflection</a:t>
+            </a:r>
+            <a:endParaRPr lang="en-US" dirty="0"/>
+          </a:p>
+        </p:txBody>
+      </p:sp>
+      <p:sp>
+        <p:nvSpPr>
+          <p:cNvPr id="3" name="Content Placeholder 2"/>
+          <p:cNvSpPr>
+            <a:spLocks noGrp="1"/>
+          </p:cNvSpPr>
+          <p:nvPr>
+            <p:ph idx="1"/>
+          </p:nvPr>
+        </p:nvSpPr>
+        <p:spPr/>
+        <p:txBody>
+          <a:bodyPr>
+            <a:normAutofit/>
+          </a:bodyPr>
+          <a:lstStyle/>
+          <a:p>
+            <a:pPr>
+              <a:buNone/>
+            </a:pPr>
+            <a:r>
+              <a:rPr lang="en-US" dirty="0" smtClean="0"/>
+              <a:t>	It </a:t>
+            </a:r>
+            <a:r>
+              <a:rPr lang="en-US" dirty="0" smtClean="0"/>
+              <a:t>is easy to inspect an object to determine </a:t>
+            </a:r>
+            <a:r>
+              <a:rPr lang="en-US" dirty="0" smtClean="0"/>
+              <a:t>what properties </a:t>
+            </a:r>
+            <a:r>
+              <a:rPr lang="en-US" dirty="0" smtClean="0"/>
+              <a:t>it has by attempting </a:t>
+            </a:r>
+            <a:r>
+              <a:rPr lang="en-US" dirty="0" err="1" smtClean="0"/>
+              <a:t>toretrieve</a:t>
+            </a:r>
+            <a:r>
+              <a:rPr lang="en-US" dirty="0" smtClean="0"/>
+              <a:t> </a:t>
+            </a:r>
+            <a:r>
+              <a:rPr lang="en-US" dirty="0" smtClean="0"/>
+              <a:t>the properties and examining the values obtained</a:t>
+            </a:r>
+            <a:r>
+              <a:rPr lang="en-US" dirty="0" smtClean="0"/>
+              <a:t>.</a:t>
+            </a:r>
+          </a:p>
+          <a:p>
+            <a:pPr lvl="2">
+              <a:buNone/>
+            </a:pPr>
+            <a:r>
+              <a:rPr lang="en-US" dirty="0" err="1" smtClean="0">
+                <a:solidFill>
+                  <a:srgbClr val="FF0000"/>
+                </a:solidFill>
+              </a:rPr>
+              <a:t>typeof</a:t>
+            </a:r>
+            <a:r>
+              <a:rPr lang="en-US" dirty="0" smtClean="0">
+                <a:solidFill>
+                  <a:srgbClr val="FF0000"/>
+                </a:solidFill>
+              </a:rPr>
+              <a:t> </a:t>
+            </a:r>
+            <a:r>
+              <a:rPr lang="en-US" dirty="0" err="1" smtClean="0">
+                <a:solidFill>
+                  <a:srgbClr val="FF0000"/>
+                </a:solidFill>
+              </a:rPr>
+              <a:t>flight.number</a:t>
+            </a:r>
+            <a:r>
+              <a:rPr lang="en-US" dirty="0" smtClean="0">
+                <a:solidFill>
+                  <a:srgbClr val="FF0000"/>
+                </a:solidFill>
+              </a:rPr>
+              <a:t> // 'number'</a:t>
+            </a:r>
+          </a:p>
+          <a:p>
+            <a:pPr lvl="2">
+              <a:buNone/>
+            </a:pPr>
+            <a:r>
+              <a:rPr lang="en-US" dirty="0" err="1" smtClean="0">
+                <a:solidFill>
+                  <a:srgbClr val="FF0000"/>
+                </a:solidFill>
+              </a:rPr>
+              <a:t>typeof</a:t>
+            </a:r>
+            <a:r>
+              <a:rPr lang="en-US" dirty="0" smtClean="0">
+                <a:solidFill>
+                  <a:srgbClr val="FF0000"/>
+                </a:solidFill>
+              </a:rPr>
+              <a:t> </a:t>
+            </a:r>
+            <a:r>
+              <a:rPr lang="en-US" dirty="0" err="1" smtClean="0">
+                <a:solidFill>
+                  <a:srgbClr val="FF0000"/>
+                </a:solidFill>
+              </a:rPr>
+              <a:t>flight.status</a:t>
+            </a:r>
+            <a:r>
+              <a:rPr lang="en-US" dirty="0" smtClean="0">
+                <a:solidFill>
+                  <a:srgbClr val="FF0000"/>
+                </a:solidFill>
+              </a:rPr>
+              <a:t> // 'string'</a:t>
+            </a:r>
+          </a:p>
+          <a:p>
+            <a:pPr lvl="2">
+              <a:buNone/>
+            </a:pPr>
+            <a:r>
+              <a:rPr lang="en-US" dirty="0" err="1" smtClean="0">
+                <a:solidFill>
+                  <a:srgbClr val="FF0000"/>
+                </a:solidFill>
+              </a:rPr>
+              <a:t>typeof</a:t>
+            </a:r>
+            <a:r>
+              <a:rPr lang="en-US" dirty="0" smtClean="0">
+                <a:solidFill>
+                  <a:srgbClr val="FF0000"/>
+                </a:solidFill>
+              </a:rPr>
+              <a:t> </a:t>
+            </a:r>
+            <a:r>
+              <a:rPr lang="en-US" dirty="0" err="1" smtClean="0">
+                <a:solidFill>
+                  <a:srgbClr val="FF0000"/>
+                </a:solidFill>
+              </a:rPr>
+              <a:t>flight.arrival</a:t>
+            </a:r>
+            <a:r>
+              <a:rPr lang="en-US" dirty="0" smtClean="0">
+                <a:solidFill>
+                  <a:srgbClr val="FF0000"/>
+                </a:solidFill>
+              </a:rPr>
+              <a:t> // 'object'</a:t>
+            </a:r>
+          </a:p>
+          <a:p>
+            <a:pPr lvl="2">
+              <a:buNone/>
+            </a:pPr>
+            <a:r>
+              <a:rPr lang="en-US" dirty="0" err="1" smtClean="0">
+                <a:solidFill>
+                  <a:srgbClr val="FF0000"/>
+                </a:solidFill>
+              </a:rPr>
+              <a:t>typeof</a:t>
+            </a:r>
+            <a:r>
+              <a:rPr lang="en-US" dirty="0" smtClean="0">
+                <a:solidFill>
+                  <a:srgbClr val="FF0000"/>
+                </a:solidFill>
+              </a:rPr>
+              <a:t> </a:t>
+            </a:r>
+            <a:r>
+              <a:rPr lang="en-US" dirty="0" err="1" smtClean="0">
+                <a:solidFill>
+                  <a:srgbClr val="FF0000"/>
+                </a:solidFill>
+              </a:rPr>
+              <a:t>flight.manifest</a:t>
+            </a:r>
+            <a:r>
+              <a:rPr lang="en-US" dirty="0" smtClean="0">
+                <a:solidFill>
+                  <a:srgbClr val="FF0000"/>
+                </a:solidFill>
+              </a:rPr>
+              <a:t> // </a:t>
+            </a:r>
+            <a:r>
+              <a:rPr lang="en-US" dirty="0" smtClean="0">
+                <a:solidFill>
+                  <a:srgbClr val="FF0000"/>
+                </a:solidFill>
+              </a:rPr>
+              <a:t>'undefined</a:t>
+            </a:r>
+          </a:p>
+        </p:txBody>
+      </p:sp>
+    </p:spTree>
+  </p:cSld>
+  <p:clrMapOvr>
+    <a:masterClrMapping/>
+  </p:clrMapOvr>
+</p:sld>
+</file>
+
+<file path=ppt/slides/slide15.xml><?xml version="1.0" encoding="utf-8"?>
+<p:sld xmlns:a="http://schemas.openxmlformats.org/drawingml/2006/main" xmlns:r="http://schemas.openxmlformats.org/officeDocument/2006/relationships" xmlns:p="http://schemas.openxmlformats.org/presentationml/2006/main">
+  <p:cSld>
+    <p:spTree>
+      <p:nvGrpSpPr>
+        <p:cNvPr id="1" name=""/>
+        <p:cNvGrpSpPr/>
+        <p:nvPr/>
+      </p:nvGrpSpPr>
+      <p:grpSpPr>
+        <a:xfrm>
+          <a:off x="0" y="0"/>
+          <a:ext cx="0" cy="0"/>
+          <a:chOff x="0" y="0"/>
+          <a:chExt cx="0" cy="0"/>
+        </a:xfrm>
+      </p:grpSpPr>
+      <p:sp>
+        <p:nvSpPr>
+          <p:cNvPr id="2" name="Title 1"/>
+          <p:cNvSpPr>
+            <a:spLocks noGrp="1"/>
+          </p:cNvSpPr>
+          <p:nvPr>
+            <p:ph type="title"/>
+          </p:nvPr>
+        </p:nvSpPr>
+        <p:spPr/>
+        <p:txBody>
+          <a:bodyPr/>
+          <a:lstStyle/>
+          <a:p>
+            <a:endParaRPr lang="en-US"/>
+          </a:p>
+        </p:txBody>
+      </p:sp>
+      <p:sp>
+        <p:nvSpPr>
+          <p:cNvPr id="3" name="Content Placeholder 2"/>
+          <p:cNvSpPr>
+            <a:spLocks noGrp="1"/>
+          </p:cNvSpPr>
+          <p:nvPr>
+            <p:ph idx="1"/>
+          </p:nvPr>
+        </p:nvSpPr>
+        <p:spPr/>
+        <p:txBody>
+          <a:bodyPr/>
+          <a:lstStyle/>
+          <a:p>
+            <a:pPr>
+              <a:buNone/>
+            </a:pPr>
+            <a:r>
+              <a:rPr lang="en-US" dirty="0" smtClean="0"/>
+              <a:t>	The </a:t>
+            </a:r>
+            <a:r>
+              <a:rPr lang="en-US" dirty="0" smtClean="0"/>
+              <a:t>other approach is to use the </a:t>
+            </a:r>
+            <a:r>
+              <a:rPr lang="en-US" dirty="0" err="1" smtClean="0"/>
+              <a:t>hasOwnProperty</a:t>
+            </a:r>
+            <a:r>
+              <a:rPr lang="en-US" dirty="0" smtClean="0"/>
+              <a:t> method, which returns true if </a:t>
+            </a:r>
+            <a:r>
+              <a:rPr lang="en-US" dirty="0" err="1" smtClean="0"/>
+              <a:t>theobject</a:t>
+            </a:r>
+            <a:r>
+              <a:rPr lang="en-US" dirty="0" smtClean="0"/>
+              <a:t> </a:t>
+            </a:r>
+            <a:r>
+              <a:rPr lang="en-US" dirty="0" smtClean="0"/>
+              <a:t>has a particular property. The </a:t>
+            </a:r>
+            <a:r>
+              <a:rPr lang="en-US" dirty="0" err="1" smtClean="0"/>
+              <a:t>hasOwnProperty</a:t>
+            </a:r>
+            <a:r>
+              <a:rPr lang="en-US" dirty="0" smtClean="0"/>
+              <a:t> method does not look at </a:t>
+            </a:r>
+            <a:r>
+              <a:rPr lang="en-US" dirty="0" smtClean="0"/>
+              <a:t>the prototype chain: </a:t>
+            </a:r>
+          </a:p>
+          <a:p>
+            <a:pPr>
+              <a:buNone/>
+            </a:pPr>
+            <a:r>
+              <a:rPr lang="en-US" dirty="0" smtClean="0"/>
+              <a:t>	</a:t>
+            </a:r>
+            <a:endParaRPr lang="en-US" dirty="0" smtClean="0"/>
+          </a:p>
+          <a:p>
+            <a:pPr>
+              <a:buNone/>
+            </a:pPr>
+            <a:r>
+              <a:rPr lang="en-US" dirty="0" smtClean="0"/>
+              <a:t>	</a:t>
+            </a:r>
+            <a:r>
+              <a:rPr lang="en-US" dirty="0" err="1" smtClean="0">
+                <a:solidFill>
+                  <a:srgbClr val="FF0000"/>
+                </a:solidFill>
+              </a:rPr>
+              <a:t>flight.hasOwnProperty</a:t>
+            </a:r>
+            <a:r>
+              <a:rPr lang="en-US" dirty="0" smtClean="0">
+                <a:solidFill>
+                  <a:srgbClr val="FF0000"/>
+                </a:solidFill>
+              </a:rPr>
+              <a:t>('number') // </a:t>
+            </a:r>
+            <a:r>
+              <a:rPr lang="en-US" dirty="0" smtClean="0">
+                <a:solidFill>
+                  <a:srgbClr val="FF0000"/>
+                </a:solidFill>
+              </a:rPr>
+              <a:t>true </a:t>
+            </a:r>
+            <a:r>
+              <a:rPr lang="en-US" dirty="0" err="1" smtClean="0">
+                <a:solidFill>
+                  <a:srgbClr val="FF0000"/>
+                </a:solidFill>
+              </a:rPr>
+              <a:t>flight.hasOwnProperty</a:t>
+            </a:r>
+            <a:r>
+              <a:rPr lang="en-US" dirty="0" smtClean="0">
+                <a:solidFill>
+                  <a:srgbClr val="FF0000"/>
+                </a:solidFill>
+              </a:rPr>
+              <a:t>('constructor') // false</a:t>
+            </a:r>
+            <a:endParaRPr lang="en-US" dirty="0">
+              <a:solidFill>
+                <a:srgbClr val="FF0000"/>
+              </a:solidFill>
+            </a:endParaRPr>
+          </a:p>
+        </p:txBody>
+      </p:sp>
+    </p:spTree>
+  </p:cSld>
+  <p:clrMapOvr>
+    <a:masterClrMapping/>
+  </p:clrMapOvr>
+</p:sld>
+</file>
+
+<file path=ppt/slides/slide16.xml><?xml version="1.0" encoding="utf-8"?>
+<p:sld xmlns:a="http://schemas.openxmlformats.org/drawingml/2006/main" xmlns:r="http://schemas.openxmlformats.org/officeDocument/2006/relationships" xmlns:p="http://schemas.openxmlformats.org/presentationml/2006/main">
+  <p:cSld>
+    <p:spTree>
+      <p:nvGrpSpPr>
+        <p:cNvPr id="1" name=""/>
+        <p:cNvGrpSpPr/>
+        <p:nvPr/>
+      </p:nvGrpSpPr>
+      <p:grpSpPr>
+        <a:xfrm>
+          <a:off x="0" y="0"/>
+          <a:ext cx="0" cy="0"/>
+          <a:chOff x="0" y="0"/>
+          <a:chExt cx="0" cy="0"/>
+        </a:xfrm>
+      </p:grpSpPr>
+      <p:sp>
+        <p:nvSpPr>
+          <p:cNvPr id="2" name="Title 1"/>
+          <p:cNvSpPr>
+            <a:spLocks noGrp="1"/>
+          </p:cNvSpPr>
+          <p:nvPr>
+            <p:ph type="title"/>
+          </p:nvPr>
+        </p:nvSpPr>
+        <p:spPr/>
+        <p:txBody>
+          <a:bodyPr/>
+          <a:lstStyle/>
+          <a:p>
+            <a:endParaRPr lang="en-US"/>
+          </a:p>
+        </p:txBody>
+      </p:sp>
+      <p:sp>
+        <p:nvSpPr>
+          <p:cNvPr id="3" name="Content Placeholder 2"/>
+          <p:cNvSpPr>
+            <a:spLocks noGrp="1"/>
+          </p:cNvSpPr>
+          <p:nvPr>
+            <p:ph idx="1"/>
+          </p:nvPr>
+        </p:nvSpPr>
+        <p:spPr/>
+        <p:txBody>
+          <a:bodyPr/>
+          <a:lstStyle/>
+          <a:p>
+            <a:endParaRPr lang="en-US"/>
+          </a:p>
+        </p:txBody>
+      </p:sp>
+    </p:spTree>
+  </p:cSld>
+  <p:clrMapOvr>
+    <a:masterClrMapping/>
+  </p:clrMapOvr>
+</p:sld>
+</file>
+
 <file path=ppt/slides/slide2.xml><?xml version="1.0" encoding="utf-8"?>
 <p:sld xmlns:a="http://schemas.openxmlformats.org/drawingml/2006/main" xmlns:r="http://schemas.openxmlformats.org/officeDocument/2006/relationships" xmlns:p="http://schemas.openxmlformats.org/presentationml/2006/main">
   <p:cSld>
@@ -3558,6 +4880,379 @@
             <a:r>
               <a:rPr lang="en-US" smtClean="0"/>
               <a:t>of line</a:t>
+            </a:r>
+            <a:endParaRPr lang="en-US" dirty="0"/>
+          </a:p>
+        </p:txBody>
+      </p:sp>
+    </p:spTree>
+  </p:cSld>
+  <p:clrMapOvr>
+    <a:masterClrMapping/>
+  </p:clrMapOvr>
+</p:sld>
+</file>
+
+<file path=ppt/slides/slide7.xml><?xml version="1.0" encoding="utf-8"?>
+<p:sld xmlns:a="http://schemas.openxmlformats.org/drawingml/2006/main" xmlns:r="http://schemas.openxmlformats.org/officeDocument/2006/relationships" xmlns:p="http://schemas.openxmlformats.org/presentationml/2006/main">
+  <p:cSld>
+    <p:spTree>
+      <p:nvGrpSpPr>
+        <p:cNvPr id="1" name=""/>
+        <p:cNvGrpSpPr/>
+        <p:nvPr/>
+      </p:nvGrpSpPr>
+      <p:grpSpPr>
+        <a:xfrm>
+          <a:off x="0" y="0"/>
+          <a:ext cx="0" cy="0"/>
+          <a:chOff x="0" y="0"/>
+          <a:chExt cx="0" cy="0"/>
+        </a:xfrm>
+      </p:grpSpPr>
+      <p:sp>
+        <p:nvSpPr>
+          <p:cNvPr id="2" name="Title 1"/>
+          <p:cNvSpPr>
+            <a:spLocks noGrp="1"/>
+          </p:cNvSpPr>
+          <p:nvPr>
+            <p:ph type="title"/>
+          </p:nvPr>
+        </p:nvSpPr>
+        <p:spPr/>
+        <p:txBody>
+          <a:bodyPr/>
+          <a:lstStyle/>
+          <a:p>
+            <a:r>
+              <a:rPr lang="en-US" dirty="0" smtClean="0"/>
+              <a:t>Number</a:t>
+            </a:r>
+            <a:endParaRPr lang="en-US" dirty="0"/>
+          </a:p>
+        </p:txBody>
+      </p:sp>
+      <p:sp>
+        <p:nvSpPr>
+          <p:cNvPr id="3" name="Content Placeholder 2"/>
+          <p:cNvSpPr>
+            <a:spLocks noGrp="1"/>
+          </p:cNvSpPr>
+          <p:nvPr>
+            <p:ph idx="1"/>
+          </p:nvPr>
+        </p:nvSpPr>
+        <p:spPr/>
+        <p:txBody>
+          <a:bodyPr/>
+          <a:lstStyle/>
+          <a:p>
+            <a:r>
+              <a:rPr lang="en-US" dirty="0" smtClean="0"/>
+              <a:t>In </a:t>
+            </a:r>
+            <a:r>
+              <a:rPr lang="en-US" dirty="0" err="1" smtClean="0"/>
+              <a:t>javascript</a:t>
+            </a:r>
+            <a:r>
+              <a:rPr lang="en-US" dirty="0" smtClean="0"/>
+              <a:t> 1 and 1.0 it’s the same value</a:t>
+            </a:r>
+          </a:p>
+          <a:p>
+            <a:r>
+              <a:rPr lang="en-US" dirty="0" smtClean="0"/>
+              <a:t>You can make 1e2 its mean 10^2</a:t>
+            </a:r>
+          </a:p>
+          <a:p>
+            <a:r>
+              <a:rPr lang="en-US" dirty="0" smtClean="0"/>
+              <a:t>If you have </a:t>
+            </a:r>
+            <a:r>
+              <a:rPr lang="en-US" dirty="0" err="1" smtClean="0"/>
+              <a:t>negatif</a:t>
+            </a:r>
+            <a:r>
+              <a:rPr lang="en-US" dirty="0" smtClean="0"/>
+              <a:t> number you can assign by –</a:t>
+            </a:r>
+          </a:p>
+          <a:p>
+            <a:r>
+              <a:rPr lang="en-US" dirty="0" err="1" smtClean="0"/>
+              <a:t>NaN</a:t>
+            </a:r>
+            <a:r>
+              <a:rPr lang="en-US" dirty="0" smtClean="0"/>
+              <a:t> value is a number that value can not produce normal result , </a:t>
+            </a:r>
+            <a:r>
+              <a:rPr lang="en-US" dirty="0" err="1" smtClean="0"/>
+              <a:t>NaN</a:t>
+            </a:r>
+            <a:r>
+              <a:rPr lang="en-US" dirty="0" smtClean="0"/>
+              <a:t> is not equal to any value. You can detect </a:t>
+            </a:r>
+            <a:r>
+              <a:rPr lang="en-US" dirty="0" err="1" smtClean="0"/>
+              <a:t>NaN</a:t>
+            </a:r>
+            <a:r>
+              <a:rPr lang="en-US" dirty="0" smtClean="0"/>
+              <a:t> by </a:t>
+            </a:r>
+            <a:r>
+              <a:rPr lang="en-US" dirty="0" err="1" smtClean="0"/>
+              <a:t>isNaN</a:t>
+            </a:r>
+            <a:r>
+              <a:rPr lang="en-US" dirty="0" smtClean="0"/>
+              <a:t>(number)</a:t>
+            </a:r>
+          </a:p>
+          <a:p>
+            <a:endParaRPr lang="en-US" dirty="0" smtClean="0"/>
+          </a:p>
+          <a:p>
+            <a:endParaRPr lang="en-US" dirty="0" smtClean="0"/>
+          </a:p>
+        </p:txBody>
+      </p:sp>
+    </p:spTree>
+  </p:cSld>
+  <p:clrMapOvr>
+    <a:masterClrMapping/>
+  </p:clrMapOvr>
+</p:sld>
+</file>
+
+<file path=ppt/slides/slide8.xml><?xml version="1.0" encoding="utf-8"?>
+<p:sld xmlns:a="http://schemas.openxmlformats.org/drawingml/2006/main" xmlns:r="http://schemas.openxmlformats.org/officeDocument/2006/relationships" xmlns:p="http://schemas.openxmlformats.org/presentationml/2006/main">
+  <p:cSld>
+    <p:spTree>
+      <p:nvGrpSpPr>
+        <p:cNvPr id="1" name=""/>
+        <p:cNvGrpSpPr/>
+        <p:nvPr/>
+      </p:nvGrpSpPr>
+      <p:grpSpPr>
+        <a:xfrm>
+          <a:off x="0" y="0"/>
+          <a:ext cx="0" cy="0"/>
+          <a:chOff x="0" y="0"/>
+          <a:chExt cx="0" cy="0"/>
+        </a:xfrm>
+      </p:grpSpPr>
+      <p:sp>
+        <p:nvSpPr>
+          <p:cNvPr id="2" name="Title 1"/>
+          <p:cNvSpPr>
+            <a:spLocks noGrp="1"/>
+          </p:cNvSpPr>
+          <p:nvPr>
+            <p:ph type="title"/>
+          </p:nvPr>
+        </p:nvSpPr>
+        <p:spPr/>
+        <p:txBody>
+          <a:bodyPr/>
+          <a:lstStyle/>
+          <a:p>
+            <a:r>
+              <a:rPr lang="en-US" dirty="0" smtClean="0"/>
+              <a:t>Strings</a:t>
+            </a:r>
+            <a:endParaRPr lang="en-US" dirty="0"/>
+          </a:p>
+        </p:txBody>
+      </p:sp>
+      <p:sp>
+        <p:nvSpPr>
+          <p:cNvPr id="3" name="Content Placeholder 2"/>
+          <p:cNvSpPr>
+            <a:spLocks noGrp="1"/>
+          </p:cNvSpPr>
+          <p:nvPr>
+            <p:ph idx="1"/>
+          </p:nvPr>
+        </p:nvSpPr>
+        <p:spPr/>
+        <p:txBody>
+          <a:bodyPr/>
+          <a:lstStyle/>
+          <a:p>
+            <a:r>
+              <a:rPr lang="en-US" dirty="0" smtClean="0"/>
+              <a:t>String can be wrap by ‘ and “ </a:t>
+            </a:r>
+          </a:p>
+          <a:p>
+            <a:r>
+              <a:rPr lang="en-US" dirty="0" smtClean="0"/>
+              <a:t>Can contain zero or empty</a:t>
+            </a:r>
+          </a:p>
+          <a:p>
+            <a:r>
+              <a:rPr lang="en-US" dirty="0" smtClean="0"/>
+              <a:t>Use \ to escape character</a:t>
+            </a:r>
+          </a:p>
+          <a:p>
+            <a:r>
+              <a:rPr lang="en-US" dirty="0" smtClean="0"/>
+              <a:t>Don’t have character type just type one </a:t>
+            </a:r>
+            <a:r>
+              <a:rPr lang="en-US" dirty="0" err="1" smtClean="0"/>
+              <a:t>charcter</a:t>
+            </a:r>
+            <a:r>
+              <a:rPr lang="en-US" dirty="0" smtClean="0"/>
+              <a:t> in single or double </a:t>
+            </a:r>
+            <a:r>
+              <a:rPr lang="en-US" dirty="0" err="1" smtClean="0"/>
+              <a:t>qoutes</a:t>
+            </a:r>
+            <a:endParaRPr lang="en-US" dirty="0" smtClean="0"/>
+          </a:p>
+          <a:p>
+            <a:endParaRPr lang="en-US" dirty="0"/>
+          </a:p>
+        </p:txBody>
+      </p:sp>
+    </p:spTree>
+  </p:cSld>
+  <p:clrMapOvr>
+    <a:masterClrMapping/>
+  </p:clrMapOvr>
+</p:sld>
+</file>
+
+<file path=ppt/slides/slide9.xml><?xml version="1.0" encoding="utf-8"?>
+<p:sld xmlns:a="http://schemas.openxmlformats.org/drawingml/2006/main" xmlns:r="http://schemas.openxmlformats.org/officeDocument/2006/relationships" xmlns:p="http://schemas.openxmlformats.org/presentationml/2006/main">
+  <p:cSld>
+    <p:spTree>
+      <p:nvGrpSpPr>
+        <p:cNvPr id="1" name=""/>
+        <p:cNvGrpSpPr/>
+        <p:nvPr/>
+      </p:nvGrpSpPr>
+      <p:grpSpPr>
+        <a:xfrm>
+          <a:off x="0" y="0"/>
+          <a:ext cx="0" cy="0"/>
+          <a:chOff x="0" y="0"/>
+          <a:chExt cx="0" cy="0"/>
+        </a:xfrm>
+      </p:grpSpPr>
+      <p:sp>
+        <p:nvSpPr>
+          <p:cNvPr id="2" name="Title 1"/>
+          <p:cNvSpPr>
+            <a:spLocks noGrp="1"/>
+          </p:cNvSpPr>
+          <p:nvPr>
+            <p:ph type="title"/>
+          </p:nvPr>
+        </p:nvSpPr>
+        <p:spPr/>
+        <p:txBody>
+          <a:bodyPr/>
+          <a:lstStyle/>
+          <a:p>
+            <a:r>
+              <a:rPr lang="en-US" dirty="0" smtClean="0"/>
+              <a:t>Object</a:t>
+            </a:r>
+            <a:endParaRPr lang="en-US" dirty="0"/>
+          </a:p>
+        </p:txBody>
+      </p:sp>
+      <p:sp>
+        <p:nvSpPr>
+          <p:cNvPr id="3" name="Content Placeholder 2"/>
+          <p:cNvSpPr>
+            <a:spLocks noGrp="1"/>
+          </p:cNvSpPr>
+          <p:nvPr>
+            <p:ph idx="1"/>
+          </p:nvPr>
+        </p:nvSpPr>
+        <p:spPr/>
+        <p:txBody>
+          <a:bodyPr>
+            <a:normAutofit lnSpcReduction="10000"/>
+          </a:bodyPr>
+          <a:lstStyle/>
+          <a:p>
+            <a:r>
+              <a:rPr lang="en-US" dirty="0" smtClean="0"/>
+              <a:t>In JavaScript, arrays are objects, functions are </a:t>
+            </a:r>
+            <a:r>
+              <a:rPr lang="en-US" dirty="0" smtClean="0"/>
+              <a:t>objects, regular </a:t>
+            </a:r>
+            <a:r>
+              <a:rPr lang="en-US" dirty="0" smtClean="0"/>
+              <a:t>expressions are objects, and, of course, </a:t>
+            </a:r>
+            <a:r>
+              <a:rPr lang="en-US" dirty="0" smtClean="0"/>
+              <a:t>objects </a:t>
+            </a:r>
+            <a:r>
+              <a:rPr lang="en-US" dirty="0" smtClean="0"/>
+              <a:t>are objects</a:t>
+            </a:r>
+            <a:r>
+              <a:rPr lang="en-US" dirty="0" smtClean="0"/>
+              <a:t>.</a:t>
+            </a:r>
+          </a:p>
+          <a:p>
+            <a:r>
+              <a:rPr lang="en-US" dirty="0" smtClean="0"/>
+              <a:t>Objects in JavaScript are class-free. There is no constraint on the names of new </a:t>
+            </a:r>
+            <a:r>
+              <a:rPr lang="en-US" dirty="0" smtClean="0"/>
+              <a:t>prop-</a:t>
+            </a:r>
+            <a:r>
+              <a:rPr lang="en-US" dirty="0" err="1" smtClean="0"/>
+              <a:t>erties</a:t>
+            </a:r>
+            <a:r>
+              <a:rPr lang="en-US" dirty="0" smtClean="0"/>
+              <a:t> </a:t>
+            </a:r>
+            <a:r>
+              <a:rPr lang="en-US" dirty="0" smtClean="0"/>
+              <a:t>or on the values of properties. Objects are useful for collecting and </a:t>
+            </a:r>
+            <a:r>
+              <a:rPr lang="en-US" dirty="0" smtClean="0"/>
+              <a:t>organizing data</a:t>
+            </a:r>
+            <a:r>
+              <a:rPr lang="en-US" dirty="0" smtClean="0"/>
+              <a:t>. Objects can contain other objects, so they can easily represent tree or </a:t>
+            </a:r>
+            <a:r>
+              <a:rPr lang="en-US" dirty="0" smtClean="0"/>
+              <a:t>graph structures</a:t>
+            </a:r>
+            <a:r>
+              <a:rPr lang="en-US" dirty="0" smtClean="0"/>
+              <a:t>.</a:t>
             </a:r>
             <a:endParaRPr lang="en-US" dirty="0"/>
           </a:p>
